--- a/SQL/00 SQL – Przygotowanie.pptx
+++ b/SQL/00 SQL – Przygotowanie.pptx
@@ -262,6 +262,35 @@
 </p:presentation>
 </file>
 
+<file path=ppt/changesInfos/changesInfo1.xml><?xml version="1.0" encoding="utf-8"?>
+<pc:chgInfo xmlns:a="http://schemas.openxmlformats.org/drawingml/2006/main" xmlns:r="http://schemas.openxmlformats.org/officeDocument/2006/relationships" xmlns:ac="http://schemas.microsoft.com/office/drawing/2013/main/command" xmlns:pc="http://schemas.microsoft.com/office/powerpoint/2013/main/command">
+  <pc:docChgLst>
+    <pc:chgData name="Mikołaj Leszczuk" userId="f51ff640-68ca-4f5b-81f1-7b807841f46e" providerId="ADAL" clId="{99919223-19CD-6647-A6AD-D2640C0A35D5}"/>
+    <pc:docChg chg="custSel modSld">
+      <pc:chgData name="Mikołaj Leszczuk" userId="f51ff640-68ca-4f5b-81f1-7b807841f46e" providerId="ADAL" clId="{99919223-19CD-6647-A6AD-D2640C0A35D5}" dt="2020-11-09T18:19:09.139" v="1" actId="1577"/>
+      <pc:docMkLst>
+        <pc:docMk/>
+      </pc:docMkLst>
+      <pc:sldChg chg="modSp mod">
+        <pc:chgData name="Mikołaj Leszczuk" userId="f51ff640-68ca-4f5b-81f1-7b807841f46e" providerId="ADAL" clId="{99919223-19CD-6647-A6AD-D2640C0A35D5}" dt="2020-11-09T18:19:09.139" v="1" actId="1577"/>
+        <pc:sldMkLst>
+          <pc:docMk/>
+          <pc:sldMk cId="0" sldId="257"/>
+        </pc:sldMkLst>
+        <pc:spChg chg="mod">
+          <ac:chgData name="Mikołaj Leszczuk" userId="f51ff640-68ca-4f5b-81f1-7b807841f46e" providerId="ADAL" clId="{99919223-19CD-6647-A6AD-D2640C0A35D5}" dt="2020-11-09T18:19:09.139" v="1" actId="1577"/>
+          <ac:spMkLst>
+            <pc:docMk/>
+            <pc:sldMk cId="0" sldId="257"/>
+            <ac:spMk id="60" creationId="{00000000-0000-0000-0000-000000000000}"/>
+          </ac:spMkLst>
+        </pc:spChg>
+      </pc:sldChg>
+    </pc:docChg>
+  </pc:docChgLst>
+</pc:chgInfo>
+</file>
+
 <file path=ppt/notesMasters/notesMaster1.xml><?xml version="1.0" encoding="utf-8"?>
 <p:notesMaster xmlns:a="http://schemas.openxmlformats.org/drawingml/2006/main" xmlns:r="http://schemas.openxmlformats.org/officeDocument/2006/relationships" xmlns:p="http://schemas.openxmlformats.org/presentationml/2006/main">
   <p:cSld>
@@ -1164,7 +1193,7 @@
           <a:p>
             <a:fld id="{0CFF4016-EC88-1441-A65F-3C84A03A869D}" type="datetime1">
               <a:rPr lang="pl-PL" smtClean="0"/>
-              <a:t>08.09.2020</a:t>
+              <a:t>09.11.2020</a:t>
             </a:fld>
             <a:endParaRPr lang="en-GB"/>
           </a:p>
@@ -1349,7 +1378,7 @@
           <a:p>
             <a:fld id="{DAEC7EC2-3579-AE44-9FB1-611981B95D1F}" type="datetime1">
               <a:rPr lang="pl-PL" smtClean="0"/>
-              <a:t>08.09.2020</a:t>
+              <a:t>09.11.2020</a:t>
             </a:fld>
             <a:endParaRPr lang="en-GB"/>
           </a:p>
@@ -1544,7 +1573,7 @@
           <a:p>
             <a:fld id="{3241ACF8-2331-3542-ACC1-73975B5FFCB8}" type="datetime1">
               <a:rPr lang="pl-PL" smtClean="0"/>
-              <a:t>08.09.2020</a:t>
+              <a:t>09.11.2020</a:t>
             </a:fld>
             <a:endParaRPr lang="en-GB"/>
           </a:p>
@@ -2463,7 +2492,7 @@
           <a:p>
             <a:fld id="{569FC87A-EDAD-954B-9487-CB64E76D347E}" type="datetime1">
               <a:rPr lang="pl-PL" smtClean="0"/>
-              <a:t>08.09.2020</a:t>
+              <a:t>09.11.2020</a:t>
             </a:fld>
             <a:endParaRPr lang="en-GB"/>
           </a:p>
@@ -2753,7 +2782,7 @@
           <a:p>
             <a:fld id="{36A3712B-6FAD-2440-98E1-30209B926D6F}" type="datetime1">
               <a:rPr lang="pl-PL" smtClean="0"/>
-              <a:t>08.09.2020</a:t>
+              <a:t>09.11.2020</a:t>
             </a:fld>
             <a:endParaRPr lang="en-GB"/>
           </a:p>
@@ -2981,7 +3010,7 @@
           <a:p>
             <a:fld id="{5CDFC4DD-AD75-8D4D-A4B3-3496B5BAAAFC}" type="datetime1">
               <a:rPr lang="pl-PL" smtClean="0"/>
-              <a:t>08.09.2020</a:t>
+              <a:t>09.11.2020</a:t>
             </a:fld>
             <a:endParaRPr lang="en-GB"/>
           </a:p>
@@ -3364,7 +3393,7 @@
           <a:p>
             <a:fld id="{F2ABEDAB-4050-A745-BB0F-95F147F83C3D}" type="datetime1">
               <a:rPr lang="pl-PL" smtClean="0"/>
-              <a:t>08.09.2020</a:t>
+              <a:t>09.11.2020</a:t>
             </a:fld>
             <a:endParaRPr lang="en-GB"/>
           </a:p>
@@ -3516,7 +3545,7 @@
           <a:p>
             <a:fld id="{CBC906E6-40D3-324A-915C-CA5DEA707587}" type="datetime1">
               <a:rPr lang="pl-PL" smtClean="0"/>
-              <a:t>08.09.2020</a:t>
+              <a:t>09.11.2020</a:t>
             </a:fld>
             <a:endParaRPr lang="en-GB"/>
           </a:p>
@@ -3639,7 +3668,7 @@
           <a:p>
             <a:fld id="{1EEDE5AD-84CD-8047-BF75-5D0E2BAABBC0}" type="datetime1">
               <a:rPr lang="pl-PL" smtClean="0"/>
-              <a:t>08.09.2020</a:t>
+              <a:t>09.11.2020</a:t>
             </a:fld>
             <a:endParaRPr lang="en-GB"/>
           </a:p>
@@ -3941,7 +3970,7 @@
           <a:p>
             <a:fld id="{E0744F8A-8C12-CC4F-BC5A-3A0D6A1C4391}" type="datetime1">
               <a:rPr lang="pl-PL" smtClean="0"/>
-              <a:t>08.09.2020</a:t>
+              <a:t>09.11.2020</a:t>
             </a:fld>
             <a:endParaRPr lang="en-GB"/>
           </a:p>
@@ -4248,7 +4277,7 @@
           <a:p>
             <a:fld id="{012DA84D-DC26-794A-86F2-3866F0182936}" type="datetime1">
               <a:rPr lang="pl-PL" smtClean="0"/>
-              <a:t>08.09.2020</a:t>
+              <a:t>09.11.2020</a:t>
             </a:fld>
             <a:endParaRPr lang="en-GB"/>
           </a:p>
@@ -4476,7 +4505,7 @@
           <a:p>
             <a:fld id="{F26DFEA4-C60A-B842-8474-0CC76535D062}" type="datetime1">
               <a:rPr lang="pl-PL" smtClean="0"/>
-              <a:t>08.09.2020</a:t>
+              <a:t>09.11.2020</a:t>
             </a:fld>
             <a:endParaRPr lang="en-GB"/>
           </a:p>

--- a/SQL/00 SQL – Przygotowanie.pptx
+++ b/SQL/00 SQL – Przygotowanie.pptx
@@ -267,18 +267,18 @@
   <pc:docChgLst>
     <pc:chgData name="Mikołaj Leszczuk" userId="f51ff640-68ca-4f5b-81f1-7b807841f46e" providerId="ADAL" clId="{99919223-19CD-6647-A6AD-D2640C0A35D5}"/>
     <pc:docChg chg="custSel modSld">
-      <pc:chgData name="Mikołaj Leszczuk" userId="f51ff640-68ca-4f5b-81f1-7b807841f46e" providerId="ADAL" clId="{99919223-19CD-6647-A6AD-D2640C0A35D5}" dt="2020-11-09T18:19:09.139" v="1" actId="1577"/>
+      <pc:chgData name="Mikołaj Leszczuk" userId="f51ff640-68ca-4f5b-81f1-7b807841f46e" providerId="ADAL" clId="{99919223-19CD-6647-A6AD-D2640C0A35D5}" dt="2020-11-09T18:23:38.482" v="2" actId="1577"/>
       <pc:docMkLst>
         <pc:docMk/>
       </pc:docMkLst>
       <pc:sldChg chg="modSp mod">
-        <pc:chgData name="Mikołaj Leszczuk" userId="f51ff640-68ca-4f5b-81f1-7b807841f46e" providerId="ADAL" clId="{99919223-19CD-6647-A6AD-D2640C0A35D5}" dt="2020-11-09T18:19:09.139" v="1" actId="1577"/>
+        <pc:chgData name="Mikołaj Leszczuk" userId="f51ff640-68ca-4f5b-81f1-7b807841f46e" providerId="ADAL" clId="{99919223-19CD-6647-A6AD-D2640C0A35D5}" dt="2020-11-09T18:23:38.482" v="2" actId="1577"/>
         <pc:sldMkLst>
           <pc:docMk/>
           <pc:sldMk cId="0" sldId="257"/>
         </pc:sldMkLst>
         <pc:spChg chg="mod">
-          <ac:chgData name="Mikołaj Leszczuk" userId="f51ff640-68ca-4f5b-81f1-7b807841f46e" providerId="ADAL" clId="{99919223-19CD-6647-A6AD-D2640C0A35D5}" dt="2020-11-09T18:19:09.139" v="1" actId="1577"/>
+          <ac:chgData name="Mikołaj Leszczuk" userId="f51ff640-68ca-4f5b-81f1-7b807841f46e" providerId="ADAL" clId="{99919223-19CD-6647-A6AD-D2640C0A35D5}" dt="2020-11-09T18:23:38.482" v="2" actId="1577"/>
           <ac:spMkLst>
             <pc:docMk/>
             <pc:sldMk cId="0" sldId="257"/>
